--- a/Документы/GeoTimePresentation.pptx
+++ b/Документы/GeoTimePresentation.pptx
@@ -5,7 +5,7 @@
     <p:sldMasterId id="2147483648" r:id="rId1"/>
   </p:sldMasterIdLst>
   <p:notesMasterIdLst>
-    <p:notesMasterId r:id="rId14"/>
+    <p:notesMasterId r:id="rId15"/>
   </p:notesMasterIdLst>
   <p:sldIdLst>
     <p:sldId id="256" r:id="rId2"/>
@@ -19,7 +19,8 @@
     <p:sldId id="265" r:id="rId10"/>
     <p:sldId id="266" r:id="rId11"/>
     <p:sldId id="267" r:id="rId12"/>
-    <p:sldId id="268" r:id="rId13"/>
+    <p:sldId id="269" r:id="rId13"/>
+    <p:sldId id="268" r:id="rId14"/>
   </p:sldIdLst>
   <p:sldSz cx="12192000" cy="6858000"/>
   <p:notesSz cx="6858000" cy="9144000"/>
@@ -118,6 +119,11 @@
       </a:defRPr>
     </a:lvl9pPr>
   </p:defaultTextStyle>
+  <p:extLst>
+    <p:ext uri="{EFAFB233-063F-42B5-8137-9DF3F51BA10A}">
+      <p15:sldGuideLst xmlns:p15="http://schemas.microsoft.com/office/powerpoint/2012/main"/>
+    </p:ext>
+  </p:extLst>
 </p:presentation>
 </file>
 
@@ -203,7 +209,7 @@
           <a:p>
             <a:fld id="{E710118A-1E84-49ED-9B55-D868E6A363A6}" type="datetimeFigureOut">
               <a:rPr lang="ru-RU" smtClean="0"/>
-              <a:t>14.11.2014</a:t>
+              <a:t>28.11.2014</a:t>
             </a:fld>
             <a:endParaRPr lang="ru-RU"/>
           </a:p>
@@ -686,7 +692,7 @@
           <a:p>
             <a:fld id="{CE58373F-2E59-4BEB-B2A1-A7554C74CFD9}" type="datetime1">
               <a:rPr lang="ru-RU" smtClean="0"/>
-              <a:t>14.11.2014</a:t>
+              <a:t>28.11.2014</a:t>
             </a:fld>
             <a:endParaRPr lang="ru-RU"/>
           </a:p>
@@ -856,7 +862,7 @@
           <a:p>
             <a:fld id="{E6F12AB8-5BD9-461F-94D1-2516C1BE6670}" type="datetime1">
               <a:rPr lang="ru-RU" smtClean="0"/>
-              <a:t>14.11.2014</a:t>
+              <a:t>28.11.2014</a:t>
             </a:fld>
             <a:endParaRPr lang="ru-RU"/>
           </a:p>
@@ -1036,7 +1042,7 @@
           <a:p>
             <a:fld id="{A55BE171-1559-4542-9A61-84A7429C608F}" type="datetime1">
               <a:rPr lang="ru-RU" smtClean="0"/>
-              <a:t>14.11.2014</a:t>
+              <a:t>28.11.2014</a:t>
             </a:fld>
             <a:endParaRPr lang="ru-RU"/>
           </a:p>
@@ -1206,7 +1212,7 @@
           <a:p>
             <a:fld id="{E60F9191-1D86-44C5-9C02-A0EDD8A65F77}" type="datetime1">
               <a:rPr lang="ru-RU" smtClean="0"/>
-              <a:t>14.11.2014</a:t>
+              <a:t>28.11.2014</a:t>
             </a:fld>
             <a:endParaRPr lang="ru-RU"/>
           </a:p>
@@ -1452,7 +1458,7 @@
           <a:p>
             <a:fld id="{325917BC-C514-478F-A88A-E948E098E1ED}" type="datetime1">
               <a:rPr lang="ru-RU" smtClean="0"/>
-              <a:t>14.11.2014</a:t>
+              <a:t>28.11.2014</a:t>
             </a:fld>
             <a:endParaRPr lang="ru-RU"/>
           </a:p>
@@ -1684,7 +1690,7 @@
           <a:p>
             <a:fld id="{4E47FC33-73D2-42FD-BA5D-07D1E10BC92A}" type="datetime1">
               <a:rPr lang="ru-RU" smtClean="0"/>
-              <a:t>14.11.2014</a:t>
+              <a:t>28.11.2014</a:t>
             </a:fld>
             <a:endParaRPr lang="ru-RU"/>
           </a:p>
@@ -2051,7 +2057,7 @@
           <a:p>
             <a:fld id="{8456CA04-AC9A-453E-AFB4-861293672B3A}" type="datetime1">
               <a:rPr lang="ru-RU" smtClean="0"/>
-              <a:t>14.11.2014</a:t>
+              <a:t>28.11.2014</a:t>
             </a:fld>
             <a:endParaRPr lang="ru-RU"/>
           </a:p>
@@ -2169,7 +2175,7 @@
           <a:p>
             <a:fld id="{0B41B39C-4F0E-4C1E-A99E-6D1D1421AED2}" type="datetime1">
               <a:rPr lang="ru-RU" smtClean="0"/>
-              <a:t>14.11.2014</a:t>
+              <a:t>28.11.2014</a:t>
             </a:fld>
             <a:endParaRPr lang="ru-RU"/>
           </a:p>
@@ -2264,7 +2270,7 @@
           <a:p>
             <a:fld id="{51F5D0B4-1890-4164-8C26-9C18E88E9D22}" type="datetime1">
               <a:rPr lang="ru-RU" smtClean="0"/>
-              <a:t>14.11.2014</a:t>
+              <a:t>28.11.2014</a:t>
             </a:fld>
             <a:endParaRPr lang="ru-RU"/>
           </a:p>
@@ -2541,7 +2547,7 @@
           <a:p>
             <a:fld id="{432AF560-E8DC-430A-809E-D4CBC77401A5}" type="datetime1">
               <a:rPr lang="ru-RU" smtClean="0"/>
-              <a:t>14.11.2014</a:t>
+              <a:t>28.11.2014</a:t>
             </a:fld>
             <a:endParaRPr lang="ru-RU"/>
           </a:p>
@@ -2794,7 +2800,7 @@
           <a:p>
             <a:fld id="{4168BCDB-B76D-4676-93F7-4BE9924CBC05}" type="datetime1">
               <a:rPr lang="ru-RU" smtClean="0"/>
-              <a:t>14.11.2014</a:t>
+              <a:t>28.11.2014</a:t>
             </a:fld>
             <a:endParaRPr lang="ru-RU"/>
           </a:p>
@@ -3016,7 +3022,7 @@
           <a:p>
             <a:fld id="{2E260821-3FC4-4C8E-9464-47EDC16D411D}" type="datetime1">
               <a:rPr lang="ru-RU" smtClean="0"/>
-              <a:t>14.11.2014</a:t>
+              <a:t>28.11.2014</a:t>
             </a:fld>
             <a:endParaRPr lang="ru-RU"/>
           </a:p>
@@ -5685,6 +5691,124 @@
         </p:nvSpPr>
         <p:spPr>
           <a:xfrm>
+            <a:off x="838200" y="365126"/>
+            <a:ext cx="10515600" cy="609096"/>
+          </a:xfrm>
+        </p:spPr>
+        <p:txBody>
+          <a:bodyPr>
+            <a:normAutofit fontScale="90000"/>
+          </a:bodyPr>
+          <a:lstStyle/>
+          <a:p>
+            <a:r>
+              <a:rPr lang="ru-RU" dirty="0" smtClean="0"/>
+              <a:t>Диаграмма </a:t>
+            </a:r>
+            <a:r>
+              <a:rPr lang="ru-RU" dirty="0" err="1" smtClean="0"/>
+              <a:t>Ганта</a:t>
+            </a:r>
+            <a:endParaRPr lang="ru-RU" dirty="0"/>
+          </a:p>
+        </p:txBody>
+      </p:sp>
+      <p:sp>
+        <p:nvSpPr>
+          <p:cNvPr id="4" name="Номер слайда 3"/>
+          <p:cNvSpPr>
+            <a:spLocks noGrp="1"/>
+          </p:cNvSpPr>
+          <p:nvPr>
+            <p:ph type="sldNum" sz="quarter" idx="12"/>
+          </p:nvPr>
+        </p:nvSpPr>
+        <p:spPr/>
+        <p:txBody>
+          <a:bodyPr/>
+          <a:lstStyle/>
+          <a:p>
+            <a:fld id="{2254AEE2-4CF1-4452-9990-F7D689DA22F0}" type="slidenum">
+              <a:rPr lang="ru-RU" smtClean="0"/>
+              <a:t>12</a:t>
+            </a:fld>
+            <a:endParaRPr lang="ru-RU"/>
+          </a:p>
+        </p:txBody>
+      </p:sp>
+      <p:pic>
+        <p:nvPicPr>
+          <p:cNvPr id="6" name="Рисунок 5"/>
+          <p:cNvPicPr>
+            <a:picLocks noChangeAspect="1"/>
+          </p:cNvPicPr>
+          <p:nvPr/>
+        </p:nvPicPr>
+        <p:blipFill>
+          <a:blip r:embed="rId2"/>
+          <a:stretch>
+            <a:fillRect/>
+          </a:stretch>
+        </p:blipFill>
+        <p:spPr>
+          <a:xfrm>
+            <a:off x="88397" y="974222"/>
+            <a:ext cx="12015205" cy="5560458"/>
+          </a:xfrm>
+          <a:prstGeom prst="rect">
+            <a:avLst/>
+          </a:prstGeom>
+        </p:spPr>
+      </p:pic>
+    </p:spTree>
+    <p:extLst>
+      <p:ext uri="{BB962C8B-B14F-4D97-AF65-F5344CB8AC3E}">
+        <p14:creationId xmlns:p14="http://schemas.microsoft.com/office/powerpoint/2010/main" val="2358314108"/>
+      </p:ext>
+    </p:extLst>
+  </p:cSld>
+  <p:clrMapOvr>
+    <a:masterClrMapping/>
+  </p:clrMapOvr>
+  <p:timing>
+    <p:tnLst>
+      <p:par>
+        <p:cTn id="1" dur="indefinite" restart="never" nodeType="tmRoot"/>
+      </p:par>
+    </p:tnLst>
+  </p:timing>
+</p:sld>
+</file>
+
+<file path=ppt/slides/slide13.xml><?xml version="1.0" encoding="utf-8"?>
+<p:sld xmlns:a="http://schemas.openxmlformats.org/drawingml/2006/main" xmlns:r="http://schemas.openxmlformats.org/officeDocument/2006/relationships" xmlns:p="http://schemas.openxmlformats.org/presentationml/2006/main">
+  <p:cSld>
+    <p:spTree>
+      <p:nvGrpSpPr>
+        <p:cNvPr id="1" name=""/>
+        <p:cNvGrpSpPr/>
+        <p:nvPr/>
+      </p:nvGrpSpPr>
+      <p:grpSpPr>
+        <a:xfrm>
+          <a:off x="0" y="0"/>
+          <a:ext cx="0" cy="0"/>
+          <a:chOff x="0" y="0"/>
+          <a:chExt cx="0" cy="0"/>
+        </a:xfrm>
+      </p:grpSpPr>
+      <p:sp>
+        <p:nvSpPr>
+          <p:cNvPr id="2" name="Заголовок 1"/>
+          <p:cNvSpPr>
+            <a:spLocks noGrp="1"/>
+          </p:cNvSpPr>
+          <p:nvPr>
+            <p:ph type="title"/>
+          </p:nvPr>
+        </p:nvSpPr>
+        <p:spPr>
+          <a:xfrm>
             <a:off x="838200" y="230737"/>
             <a:ext cx="10515600" cy="1025496"/>
           </a:xfrm>
@@ -5742,7 +5866,7 @@
           <a:p>
             <a:fld id="{2254AEE2-4CF1-4452-9990-F7D689DA22F0}" type="slidenum">
               <a:rPr lang="ru-RU" smtClean="0"/>
-              <a:t>12</a:t>
+              <a:t>13</a:t>
             </a:fld>
             <a:endParaRPr lang="ru-RU"/>
           </a:p>
@@ -5758,6 +5882,13 @@
   <p:clrMapOvr>
     <a:masterClrMapping/>
   </p:clrMapOvr>
+  <p:timing>
+    <p:tnLst>
+      <p:par>
+        <p:cTn id="1" dur="indefinite" restart="never" nodeType="tmRoot"/>
+      </p:par>
+    </p:tnLst>
+  </p:timing>
 </p:sld>
 </file>
 
@@ -7008,6 +7139,13 @@
   <p:clrMapOvr>
     <a:masterClrMapping/>
   </p:clrMapOvr>
+  <p:timing>
+    <p:tnLst>
+      <p:par>
+        <p:cTn id="1" dur="indefinite" restart="never" nodeType="tmRoot"/>
+      </p:par>
+    </p:tnLst>
+  </p:timing>
 </p:sld>
 </file>
 
@@ -11198,7 +11336,7 @@
             <p:ph idx="1"/>
             <p:extLst>
               <p:ext uri="{D42A27DB-BD31-4B8C-83A1-F6EECF244321}">
-                <p14:modId xmlns:p14="http://schemas.microsoft.com/office/powerpoint/2010/main" val="2156109841"/>
+                <p14:modId xmlns:p14="http://schemas.microsoft.com/office/powerpoint/2010/main" val="2731251501"/>
               </p:ext>
             </p:extLst>
           </p:nvPr>
@@ -11610,7 +11748,7 @@
                       <a:pPr algn="ctr"/>
                       <a:r>
                         <a:rPr lang="en-US" dirty="0" smtClean="0"/>
-                        <a:t>23.12.2014</a:t>
+                        <a:t>21.12.2014</a:t>
                       </a:r>
                       <a:endParaRPr lang="ru-RU" dirty="0"/>
                     </a:p>

--- a/Документы/GeoTimePresentation.pptx
+++ b/Документы/GeoTimePresentation.pptx
@@ -209,7 +209,7 @@
           <a:p>
             <a:fld id="{E710118A-1E84-49ED-9B55-D868E6A363A6}" type="datetimeFigureOut">
               <a:rPr lang="ru-RU" smtClean="0"/>
-              <a:t>28.11.2014</a:t>
+              <a:t>29.11.2014</a:t>
             </a:fld>
             <a:endParaRPr lang="ru-RU"/>
           </a:p>
@@ -692,7 +692,7 @@
           <a:p>
             <a:fld id="{CE58373F-2E59-4BEB-B2A1-A7554C74CFD9}" type="datetime1">
               <a:rPr lang="ru-RU" smtClean="0"/>
-              <a:t>28.11.2014</a:t>
+              <a:t>29.11.2014</a:t>
             </a:fld>
             <a:endParaRPr lang="ru-RU"/>
           </a:p>
@@ -862,7 +862,7 @@
           <a:p>
             <a:fld id="{E6F12AB8-5BD9-461F-94D1-2516C1BE6670}" type="datetime1">
               <a:rPr lang="ru-RU" smtClean="0"/>
-              <a:t>28.11.2014</a:t>
+              <a:t>29.11.2014</a:t>
             </a:fld>
             <a:endParaRPr lang="ru-RU"/>
           </a:p>
@@ -1042,7 +1042,7 @@
           <a:p>
             <a:fld id="{A55BE171-1559-4542-9A61-84A7429C608F}" type="datetime1">
               <a:rPr lang="ru-RU" smtClean="0"/>
-              <a:t>28.11.2014</a:t>
+              <a:t>29.11.2014</a:t>
             </a:fld>
             <a:endParaRPr lang="ru-RU"/>
           </a:p>
@@ -1212,7 +1212,7 @@
           <a:p>
             <a:fld id="{E60F9191-1D86-44C5-9C02-A0EDD8A65F77}" type="datetime1">
               <a:rPr lang="ru-RU" smtClean="0"/>
-              <a:t>28.11.2014</a:t>
+              <a:t>29.11.2014</a:t>
             </a:fld>
             <a:endParaRPr lang="ru-RU"/>
           </a:p>
@@ -1458,7 +1458,7 @@
           <a:p>
             <a:fld id="{325917BC-C514-478F-A88A-E948E098E1ED}" type="datetime1">
               <a:rPr lang="ru-RU" smtClean="0"/>
-              <a:t>28.11.2014</a:t>
+              <a:t>29.11.2014</a:t>
             </a:fld>
             <a:endParaRPr lang="ru-RU"/>
           </a:p>
@@ -1690,7 +1690,7 @@
           <a:p>
             <a:fld id="{4E47FC33-73D2-42FD-BA5D-07D1E10BC92A}" type="datetime1">
               <a:rPr lang="ru-RU" smtClean="0"/>
-              <a:t>28.11.2014</a:t>
+              <a:t>29.11.2014</a:t>
             </a:fld>
             <a:endParaRPr lang="ru-RU"/>
           </a:p>
@@ -2057,7 +2057,7 @@
           <a:p>
             <a:fld id="{8456CA04-AC9A-453E-AFB4-861293672B3A}" type="datetime1">
               <a:rPr lang="ru-RU" smtClean="0"/>
-              <a:t>28.11.2014</a:t>
+              <a:t>29.11.2014</a:t>
             </a:fld>
             <a:endParaRPr lang="ru-RU"/>
           </a:p>
@@ -2175,7 +2175,7 @@
           <a:p>
             <a:fld id="{0B41B39C-4F0E-4C1E-A99E-6D1D1421AED2}" type="datetime1">
               <a:rPr lang="ru-RU" smtClean="0"/>
-              <a:t>28.11.2014</a:t>
+              <a:t>29.11.2014</a:t>
             </a:fld>
             <a:endParaRPr lang="ru-RU"/>
           </a:p>
@@ -2270,7 +2270,7 @@
           <a:p>
             <a:fld id="{51F5D0B4-1890-4164-8C26-9C18E88E9D22}" type="datetime1">
               <a:rPr lang="ru-RU" smtClean="0"/>
-              <a:t>28.11.2014</a:t>
+              <a:t>29.11.2014</a:t>
             </a:fld>
             <a:endParaRPr lang="ru-RU"/>
           </a:p>
@@ -2547,7 +2547,7 @@
           <a:p>
             <a:fld id="{432AF560-E8DC-430A-809E-D4CBC77401A5}" type="datetime1">
               <a:rPr lang="ru-RU" smtClean="0"/>
-              <a:t>28.11.2014</a:t>
+              <a:t>29.11.2014</a:t>
             </a:fld>
             <a:endParaRPr lang="ru-RU"/>
           </a:p>
@@ -2800,7 +2800,7 @@
           <a:p>
             <a:fld id="{4168BCDB-B76D-4676-93F7-4BE9924CBC05}" type="datetime1">
               <a:rPr lang="ru-RU" smtClean="0"/>
-              <a:t>28.11.2014</a:t>
+              <a:t>29.11.2014</a:t>
             </a:fld>
             <a:endParaRPr lang="ru-RU"/>
           </a:p>
@@ -3022,7 +3022,7 @@
           <a:p>
             <a:fld id="{2E260821-3FC4-4C8E-9464-47EDC16D411D}" type="datetime1">
               <a:rPr lang="ru-RU" smtClean="0"/>
-              <a:t>28.11.2014</a:t>
+              <a:t>29.11.2014</a:t>
             </a:fld>
             <a:endParaRPr lang="ru-RU"/>
           </a:p>
@@ -6150,14 +6150,14 @@
             <p:ph idx="1"/>
             <p:extLst>
               <p:ext uri="{D42A27DB-BD31-4B8C-83A1-F6EECF244321}">
-                <p14:modId xmlns:p14="http://schemas.microsoft.com/office/powerpoint/2010/main" val="2854816955"/>
+                <p14:modId xmlns:p14="http://schemas.microsoft.com/office/powerpoint/2010/main" val="2641614292"/>
               </p:ext>
             </p:extLst>
           </p:nvPr>
         </p:nvGraphicFramePr>
         <p:xfrm>
           <a:off x="838200" y="1495425"/>
-          <a:ext cx="10515600" cy="4119880"/>
+          <a:ext cx="10515600" cy="4394200"/>
         </p:xfrm>
         <a:graphic>
           <a:graphicData uri="http://schemas.openxmlformats.org/drawingml/2006/table">
@@ -6233,7 +6233,27 @@
                     <a:p>
                       <a:r>
                         <a:rPr lang="ru-RU" dirty="0" smtClean="0"/>
-                        <a:t>Разработать мобильное приложение для размещения</a:t>
+                        <a:t>Разработать мобильное </a:t>
+                      </a:r>
+                      <a:r>
+                        <a:rPr lang="ru-RU" dirty="0" smtClean="0"/>
+                        <a:t>приложение и разместить его в магазине</a:t>
+                      </a:r>
+                      <a:r>
+                        <a:rPr lang="ru-RU" baseline="0" dirty="0" smtClean="0"/>
+                        <a:t> приложений </a:t>
+                      </a:r>
+                      <a:r>
+                        <a:rPr lang="en-US" baseline="0" smtClean="0"/>
+                        <a:t>Marketplace</a:t>
+                      </a:r>
+                      <a:r>
+                        <a:rPr lang="ru-RU" smtClean="0"/>
+                        <a:t> </a:t>
+                      </a:r>
+                      <a:r>
+                        <a:rPr lang="ru-RU" dirty="0" smtClean="0"/>
+                        <a:t>для размещения</a:t>
                       </a:r>
                       <a:r>
                         <a:rPr lang="ru-RU" baseline="0" dirty="0" smtClean="0"/>
